--- a/Translated/章节2.pptx
+++ b/Translated/章节2.pptx
@@ -15898,16 +15898,16 @@
               <a:t>稻草人（</a:t>
             </a:r>
             <a:r>
-              <a:rPr lang="en-US" altLang="zh-CN" sz="3200" spc="-1" dirty="0" err="1">
-                <a:solidFill>
-                  <a:srgbClr val="000000"/>
-                </a:solidFill>
-                <a:latin typeface="Trebuchet MS"/>
-              </a:rPr>
-              <a:t>StarMan</a:t>
-            </a:r>
-            <a:r>
-              <a:rPr lang="zh-CN" altLang="en-US" sz="3200" spc="-1" dirty="0">
+              <a:rPr lang="en-US" altLang="zh-CN" sz="3200" spc="-1">
+                <a:solidFill>
+                  <a:srgbClr val="000000"/>
+                </a:solidFill>
+                <a:latin typeface="Trebuchet MS"/>
+              </a:rPr>
+              <a:t>StrawMan</a:t>
+            </a:r>
+            <a:r>
+              <a:rPr lang="zh-CN" altLang="en-US" sz="3200" spc="-1">
                 <a:solidFill>
                   <a:srgbClr val="000000"/>
                 </a:solidFill>
@@ -18349,7 +18349,7 @@
                 </a:solidFill>
                 <a:latin typeface="Trebuchet MS"/>
               </a:rPr>
-              <a:t>StarMan</a:t>
+              <a:t>StrawMan</a:t>
             </a:r>
             <a:r>
               <a:rPr lang="zh-CN" altLang="en-US" sz="3200" spc="-1" dirty="0">
